--- a/pmgmt/Pow003.Power.State.pptx
+++ b/pmgmt/Pow003.Power.State.pptx
@@ -14311,22 +14311,61 @@
           <a:p>
             <a:r>
               <a:rPr lang="en-US" dirty="0" smtClean="0"/>
-              <a:t>Powercfg.exe /list</a:t>
+              <a:t>Powercfg.exe</a:t>
             </a:r>
           </a:p>
           <a:p>
-            <a:r>
-              <a:rPr lang="en-US" dirty="0" smtClean="0"/>
-              <a:t>Powercfg.exe /query &lt;</a:t>
-            </a:r>
-            <a:r>
-              <a:rPr lang="en-US" dirty="0" err="1" smtClean="0"/>
+            <a:pPr lvl="1"/>
+            <a:r>
+              <a:rPr lang="en-US" sz="1600" dirty="0" smtClean="0"/>
+              <a:t>/list</a:t>
+            </a:r>
+          </a:p>
+          <a:p>
+            <a:pPr lvl="1"/>
+            <a:r>
+              <a:rPr lang="en-US" sz="1600" dirty="0" smtClean="0"/>
+              <a:t>/</a:t>
+            </a:r>
+            <a:r>
+              <a:rPr lang="en-US" sz="1600" dirty="0" err="1" smtClean="0"/>
+              <a:t>getactivescheme</a:t>
+            </a:r>
+            <a:endParaRPr lang="en-US" sz="1600" dirty="0" smtClean="0"/>
+          </a:p>
+          <a:p>
+            <a:pPr lvl="1"/>
+            <a:r>
+              <a:rPr lang="en-US" sz="1600" dirty="0" smtClean="0"/>
+              <a:t>/query &lt;</a:t>
+            </a:r>
+            <a:r>
+              <a:rPr lang="en-US" sz="1600" dirty="0" err="1" smtClean="0"/>
               <a:t>guid</a:t>
             </a:r>
             <a:r>
-              <a:rPr lang="en-US" smtClean="0"/>
+              <a:rPr lang="en-US" sz="1600" dirty="0" smtClean="0"/>
               <a:t>&gt;</a:t>
             </a:r>
+          </a:p>
+          <a:p>
+            <a:pPr lvl="1"/>
+            <a:r>
+              <a:rPr lang="en-US" sz="1600" dirty="0" smtClean="0"/>
+              <a:t>/</a:t>
+            </a:r>
+            <a:r>
+              <a:rPr lang="en-US" sz="1600" dirty="0" err="1" smtClean="0"/>
+              <a:t>batteryreport</a:t>
+            </a:r>
+            <a:endParaRPr lang="en-US" sz="1600" dirty="0" smtClean="0"/>
+          </a:p>
+          <a:p>
+            <a:endParaRPr lang="en-US" dirty="0" smtClean="0"/>
+          </a:p>
+          <a:p>
+            <a:pPr lvl="1"/>
+            <a:endParaRPr lang="en-US" dirty="0" smtClean="0"/>
           </a:p>
           <a:p>
             <a:endParaRPr lang="en-US" dirty="0"/>
